--- a/python-for-beginners/Slides/10 - ComplexConditionChecks.pptx
+++ b/python-for-beginners/Slides/10 - ComplexConditionChecks.pptx
@@ -823,7 +823,7 @@
               <a:rPr lang="en-US" smtClean="0">
                 <a:latin typeface="Segoe UI" pitchFamily="34" charset="0"/>
               </a:rPr>
-              <a:t>6/10/2019 1:27 PM</a:t>
+              <a:t>7/17/2020 8:27 PM</a:t>
             </a:fld>
             <a:endParaRPr lang="en-US" dirty="0">
               <a:latin typeface="Segoe UI" pitchFamily="34" charset="0"/>
@@ -1101,7 +1101,7 @@
           <a:p>
             <a:fld id="{38EEC551-8CDA-4EB6-89BB-2A86C9F091C8}" type="datetime8">
               <a:rPr lang="en-US" smtClean="0"/>
-              <a:t>6/10/2019 1:26 PM</a:t>
+              <a:t>7/17/2020 8:26 PM</a:t>
             </a:fld>
             <a:endParaRPr lang="en-US" dirty="0"/>
           </a:p>
@@ -1435,7 +1435,7 @@
           <a:p>
             <a:fld id="{6108602D-D426-4C00-B215-BFA18C076426}" type="datetime8">
               <a:rPr lang="en-US" smtClean="0"/>
-              <a:t>6/10/2019 1:26 PM</a:t>
+              <a:t>7/17/2020 8:28 PM</a:t>
             </a:fld>
             <a:endParaRPr lang="en-US" dirty="0"/>
           </a:p>
@@ -1600,7 +1600,7 @@
           <a:p>
             <a:fld id="{6108602D-D426-4C00-B215-BFA18C076426}" type="datetime8">
               <a:rPr lang="en-US" smtClean="0"/>
-              <a:t>6/10/2019 1:26 PM</a:t>
+              <a:t>7/17/2020 8:29 PM</a:t>
             </a:fld>
             <a:endParaRPr lang="en-US" dirty="0"/>
           </a:p>
@@ -1765,7 +1765,7 @@
           <a:p>
             <a:fld id="{6108602D-D426-4C00-B215-BFA18C076426}" type="datetime8">
               <a:rPr lang="en-US" smtClean="0"/>
-              <a:t>6/10/2019 1:26 PM</a:t>
+              <a:t>7/17/2020 8:31 PM</a:t>
             </a:fld>
             <a:endParaRPr lang="en-US" dirty="0"/>
           </a:p>
@@ -1930,7 +1930,7 @@
           <a:p>
             <a:fld id="{6108602D-D426-4C00-B215-BFA18C076426}" type="datetime8">
               <a:rPr lang="en-US" smtClean="0"/>
-              <a:t>6/10/2019 1:26 PM</a:t>
+              <a:t>7/17/2020 8:32 PM</a:t>
             </a:fld>
             <a:endParaRPr lang="en-US" dirty="0"/>
           </a:p>
@@ -40228,13 +40228,50 @@
           </a:lstStyle>
           <a:p>
             <a:r>
+              <a:rPr lang="en-US" dirty="0" err="1">
+                <a:solidFill>
+                  <a:schemeClr val="bg1"/>
+                </a:solidFill>
+              </a:rPr>
+              <a:t>Validação</a:t>
+            </a:r>
+            <a:r>
               <a:rPr lang="en-US" dirty="0">
                 <a:solidFill>
                   <a:schemeClr val="bg1"/>
                 </a:solidFill>
               </a:rPr>
-              <a:t>Complex condition checks</a:t>
+              <a:t> de </a:t>
             </a:r>
+            <a:r>
+              <a:rPr lang="en-US" dirty="0" err="1">
+                <a:solidFill>
+                  <a:schemeClr val="bg1"/>
+                </a:solidFill>
+              </a:rPr>
+              <a:t>condições</a:t>
+            </a:r>
+            <a:r>
+              <a:rPr lang="en-US" dirty="0">
+                <a:solidFill>
+                  <a:schemeClr val="bg1"/>
+                </a:solidFill>
+              </a:rPr>
+              <a:t> </a:t>
+            </a:r>
+            <a:r>
+              <a:rPr lang="en-US" dirty="0" err="1">
+                <a:solidFill>
+                  <a:schemeClr val="bg1"/>
+                </a:solidFill>
+              </a:rPr>
+              <a:t>complexas</a:t>
+            </a:r>
+            <a:endParaRPr lang="en-US" dirty="0">
+              <a:solidFill>
+                <a:schemeClr val="bg1"/>
+              </a:solidFill>
+            </a:endParaRPr>
           </a:p>
         </p:txBody>
       </p:sp>
@@ -40288,12 +40325,14 @@
         </p:nvSpPr>
         <p:spPr/>
         <p:txBody>
-          <a:bodyPr/>
+          <a:bodyPr>
+            <a:normAutofit fontScale="90000"/>
+          </a:bodyPr>
           <a:lstStyle/>
           <a:p>
             <a:r>
-              <a:rPr lang="en-US" b="1" dirty="0"/>
-              <a:t>Sometimes you can combine conditions with AND instead of nesting if statements</a:t>
+              <a:rPr lang="pt-BR" b="1" dirty="0"/>
+              <a:t>Às vezes, você pode combinar condições com AND em vez de aninhar se as instruções</a:t>
             </a:r>
             <a:endParaRPr lang="en-US" dirty="0"/>
           </a:p>
@@ -40360,7 +40399,39 @@
                   <a:srgbClr val="C00000"/>
                 </a:solidFill>
               </a:rPr>
-              <a:t>'Well done'</a:t>
+              <a:t>'</a:t>
+            </a:r>
+            <a:r>
+              <a:rPr lang="en-US" dirty="0" err="1">
+                <a:solidFill>
+                  <a:srgbClr val="C00000"/>
+                </a:solidFill>
+              </a:rPr>
+              <a:t>Muito</a:t>
+            </a:r>
+            <a:r>
+              <a:rPr lang="en-US" dirty="0">
+                <a:solidFill>
+                  <a:srgbClr val="C00000"/>
+                </a:solidFill>
+              </a:rPr>
+              <a:t> </a:t>
+            </a:r>
+            <a:r>
+              <a:rPr lang="en-US" dirty="0" err="1">
+                <a:solidFill>
+                  <a:srgbClr val="C00000"/>
+                </a:solidFill>
+              </a:rPr>
+              <a:t>bom</a:t>
+            </a:r>
+            <a:r>
+              <a:rPr lang="en-US" dirty="0">
+                <a:solidFill>
+                  <a:srgbClr val="C00000"/>
+                </a:solidFill>
+              </a:rPr>
+              <a:t>'</a:t>
             </a:r>
             <a:r>
               <a:rPr lang="en-US" dirty="0">
@@ -40422,7 +40493,39 @@
                   <a:srgbClr val="C00000"/>
                 </a:solidFill>
               </a:rPr>
-              <a:t>'Well done'</a:t>
+              <a:t>'</a:t>
+            </a:r>
+            <a:r>
+              <a:rPr lang="en-US" dirty="0" err="1">
+                <a:solidFill>
+                  <a:srgbClr val="C00000"/>
+                </a:solidFill>
+              </a:rPr>
+              <a:t>Muito</a:t>
+            </a:r>
+            <a:r>
+              <a:rPr lang="en-US" dirty="0">
+                <a:solidFill>
+                  <a:srgbClr val="C00000"/>
+                </a:solidFill>
+              </a:rPr>
+              <a:t> </a:t>
+            </a:r>
+            <a:r>
+              <a:rPr lang="en-US" dirty="0" err="1">
+                <a:solidFill>
+                  <a:srgbClr val="C00000"/>
+                </a:solidFill>
+              </a:rPr>
+              <a:t>bom</a:t>
+            </a:r>
+            <a:r>
+              <a:rPr lang="en-US" dirty="0">
+                <a:solidFill>
+                  <a:srgbClr val="C00000"/>
+                </a:solidFill>
+              </a:rPr>
+              <a:t>'</a:t>
             </a:r>
             <a:r>
               <a:rPr lang="en-US" dirty="0">
@@ -40489,7 +40592,7 @@
           </a:fontRef>
         </p:style>
         <p:txBody>
-          <a:bodyPr rot="0" spcFirstLastPara="0" vertOverflow="overflow" horzOverflow="overflow" vert="horz" wrap="square" lIns="182880" tIns="146304" rIns="182880" bIns="146304" numCol="1" spcCol="0" rtlCol="0" fromWordArt="0" anchor="t" anchorCtr="0" forceAA="0" compatLnSpc="1">
+          <a:bodyPr rot="0" spcFirstLastPara="0" vertOverflow="overflow" horzOverflow="overflow" vert="horz" wrap="square" lIns="182880" tIns="146304" rIns="182880" bIns="146304" numCol="1" spcCol="0" rtlCol="0" fromWordArt="0" anchor="ctr" anchorCtr="0" forceAA="0" compatLnSpc="1">
             <a:prstTxWarp prst="textNoShape">
               <a:avLst/>
             </a:prstTxWarp>
@@ -40509,14 +40612,14 @@
               </a:spcAft>
             </a:pPr>
             <a:r>
-              <a:rPr lang="en-CA" sz="2400" dirty="0">
+              <a:rPr lang="pt-BR" sz="2200" dirty="0">
                 <a:solidFill>
                   <a:srgbClr val="FF0000"/>
                 </a:solidFill>
                 <a:ea typeface="Segoe UI" pitchFamily="34" charset="0"/>
                 <a:cs typeface="Segoe UI" pitchFamily="34" charset="0"/>
               </a:rPr>
-              <a:t>Requirements for honour roll</a:t>
+              <a:t>Requisitos para o quadro de honra</a:t>
             </a:r>
           </a:p>
           <a:p>
@@ -40531,7 +40634,7 @@
                 <a:spcPct val="0"/>
               </a:spcAft>
             </a:pPr>
-            <a:endParaRPr lang="en-CA" sz="2400" dirty="0">
+            <a:endParaRPr lang="pt-BR" sz="2200" dirty="0">
               <a:solidFill>
                 <a:srgbClr val="FF0000"/>
               </a:solidFill>
@@ -40540,7 +40643,7 @@
             </a:endParaRPr>
           </a:p>
           <a:p>
-            <a:pPr marL="342900" indent="-342900" defTabSz="932472" fontAlgn="base">
+            <a:pPr marL="342900" indent="-342900" algn="ctr" defTabSz="932472" fontAlgn="base">
               <a:lnSpc>
                 <a:spcPct val="90000"/>
               </a:lnSpc>
@@ -40554,18 +40657,18 @@
               <a:buChar char="•"/>
             </a:pPr>
             <a:r>
-              <a:rPr lang="en-CA" sz="2400" dirty="0">
+              <a:rPr lang="pt-BR" sz="2200" dirty="0">
                 <a:solidFill>
                   <a:srgbClr val="FF0000"/>
                 </a:solidFill>
                 <a:ea typeface="Segoe UI" pitchFamily="34" charset="0"/>
                 <a:cs typeface="Segoe UI" pitchFamily="34" charset="0"/>
               </a:rPr>
-              <a:t>Minimum 85% grade point average</a:t>
+              <a:t>Média mínima de 85% dos pontos de classificação</a:t>
             </a:r>
           </a:p>
           <a:p>
-            <a:pPr marL="342900" indent="-342900" defTabSz="932472" fontAlgn="base">
+            <a:pPr marL="342900" indent="-342900" algn="ctr" defTabSz="932472" fontAlgn="base">
               <a:lnSpc>
                 <a:spcPct val="90000"/>
               </a:lnSpc>
@@ -40578,7 +40681,7 @@
               <a:buFont typeface="Arial" panose="020B0604020202020204" pitchFamily="34" charset="0"/>
               <a:buChar char="•"/>
             </a:pPr>
-            <a:endParaRPr lang="en-CA" sz="2400" dirty="0">
+            <a:endParaRPr lang="pt-BR" sz="2200" dirty="0">
               <a:solidFill>
                 <a:srgbClr val="FF0000"/>
               </a:solidFill>
@@ -40587,7 +40690,7 @@
             </a:endParaRPr>
           </a:p>
           <a:p>
-            <a:pPr marL="342900" indent="-342900" defTabSz="932472" fontAlgn="base">
+            <a:pPr marL="342900" indent="-342900" algn="ctr" defTabSz="932472" fontAlgn="base">
               <a:lnSpc>
                 <a:spcPct val="90000"/>
               </a:lnSpc>
@@ -40601,15 +40704,22 @@
               <a:buChar char="•"/>
             </a:pPr>
             <a:r>
-              <a:rPr lang="en-CA" sz="2400" dirty="0">
+              <a:rPr lang="pt-BR" sz="2200" dirty="0">
                 <a:solidFill>
                   <a:srgbClr val="FF0000"/>
                 </a:solidFill>
                 <a:ea typeface="Segoe UI" pitchFamily="34" charset="0"/>
                 <a:cs typeface="Segoe UI" pitchFamily="34" charset="0"/>
               </a:rPr>
-              <a:t>Lowest grade is at least 70%</a:t>
+              <a:t>A nota mais baixa é de pelo menos 70%</a:t>
             </a:r>
+            <a:endParaRPr lang="en-CA" sz="2200" dirty="0">
+              <a:solidFill>
+                <a:srgbClr val="FF0000"/>
+              </a:solidFill>
+              <a:ea typeface="Segoe UI" pitchFamily="34" charset="0"/>
+              <a:cs typeface="Segoe UI" pitchFamily="34" charset="0"/>
+            </a:endParaRPr>
           </a:p>
         </p:txBody>
       </p:sp>
@@ -40891,8 +41001,8 @@
           <a:lstStyle/>
           <a:p>
             <a:r>
-              <a:rPr lang="en-US" b="1" dirty="0"/>
-              <a:t>How AND statements are processed</a:t>
+              <a:rPr lang="pt-BR" b="1" dirty="0"/>
+              <a:t>Como as instruções AND são processadas</a:t>
             </a:r>
             <a:endParaRPr lang="en-US" dirty="0"/>
           </a:p>
@@ -40913,14 +41023,14 @@
           <p:nvPr>
             <p:extLst>
               <p:ext uri="{D42A27DB-BD31-4B8C-83A1-F6EECF244321}">
-                <p14:modId xmlns:p14="http://schemas.microsoft.com/office/powerpoint/2010/main" val="2714292019"/>
+                <p14:modId xmlns:p14="http://schemas.microsoft.com/office/powerpoint/2010/main" val="2200786592"/>
               </p:ext>
             </p:extLst>
           </p:nvPr>
         </p:nvGraphicFramePr>
         <p:xfrm>
-          <a:off x="1570037" y="1997011"/>
-          <a:ext cx="8305799" cy="1922050"/>
+          <a:off x="960437" y="1997011"/>
+          <a:ext cx="8915399" cy="1922050"/>
         </p:xfrm>
         <a:graphic>
           <a:graphicData uri="http://schemas.openxmlformats.org/drawingml/2006/table">
@@ -40929,21 +41039,21 @@
                 <a:tableStyleId>{21E4AEA4-8DFA-4A89-87EB-49C32662AFE0}</a:tableStyleId>
               </a:tblPr>
               <a:tblGrid>
-                <a:gridCol w="1896593">
+                <a:gridCol w="2286000">
                   <a:extLst>
                     <a:ext uri="{9D8B030D-6E8A-4147-A177-3AD203B41FA5}">
                       <a16:colId xmlns:a16="http://schemas.microsoft.com/office/drawing/2014/main" val="3223346213"/>
                     </a:ext>
                   </a:extLst>
                 </a:gridCol>
-                <a:gridCol w="2698997">
+                <a:gridCol w="2646881">
                   <a:extLst>
                     <a:ext uri="{9D8B030D-6E8A-4147-A177-3AD203B41FA5}">
                       <a16:colId xmlns:a16="http://schemas.microsoft.com/office/drawing/2014/main" val="50370450"/>
                     </a:ext>
                   </a:extLst>
                 </a:gridCol>
-                <a:gridCol w="3710209">
+                <a:gridCol w="3982518">
                   <a:extLst>
                     <a:ext uri="{9D8B030D-6E8A-4147-A177-3AD203B41FA5}">
                       <a16:colId xmlns:a16="http://schemas.microsoft.com/office/drawing/2014/main" val="3166131026"/>
@@ -40958,9 +41068,18 @@
                     <a:lstStyle/>
                     <a:p>
                       <a:r>
+                        <a:rPr lang="en-CA" dirty="0" err="1"/>
+                        <a:t>Primeira</a:t>
+                      </a:r>
+                      <a:r>
                         <a:rPr lang="en-CA" dirty="0"/>
-                        <a:t>First Condition</a:t>
+                        <a:t> </a:t>
                       </a:r>
+                      <a:r>
+                        <a:rPr lang="en-CA" dirty="0" err="1"/>
+                        <a:t>Condição</a:t>
+                      </a:r>
+                      <a:endParaRPr lang="en-CA" dirty="0"/>
                     </a:p>
                   </a:txBody>
                   <a:tcPr/>
@@ -40972,8 +41091,13 @@
                     <a:p>
                       <a:r>
                         <a:rPr lang="en-CA" dirty="0"/>
-                        <a:t>Second Condition</a:t>
+                        <a:t>Segunda </a:t>
                       </a:r>
+                      <a:r>
+                        <a:rPr lang="en-CA" dirty="0" err="1"/>
+                        <a:t>Condição</a:t>
+                      </a:r>
+                      <a:endParaRPr lang="en-CA" dirty="0"/>
                     </a:p>
                   </a:txBody>
                   <a:tcPr/>
@@ -40984,9 +41108,10 @@
                     <a:lstStyle/>
                     <a:p>
                       <a:r>
-                        <a:rPr lang="en-CA" dirty="0"/>
-                        <a:t>Condition evaluates as</a:t>
+                        <a:rPr lang="pt-BR" dirty="0"/>
+                        <a:t>A condição é avaliada como</a:t>
                       </a:r>
+                      <a:endParaRPr lang="en-CA" dirty="0"/>
                     </a:p>
                   </a:txBody>
                   <a:tcPr/>
@@ -41235,12 +41360,14 @@
         </p:nvSpPr>
         <p:spPr/>
         <p:txBody>
-          <a:bodyPr/>
+          <a:bodyPr>
+            <a:normAutofit fontScale="90000"/>
+          </a:bodyPr>
           <a:lstStyle/>
           <a:p>
             <a:r>
-              <a:rPr lang="en-US" b="1" dirty="0"/>
-              <a:t>If you need to remember the results of a condition check later in your code, use Boolean variables as flags</a:t>
+              <a:rPr lang="pt-BR" b="1" dirty="0"/>
+              <a:t>Se você precisar se lembrar dos resultados de uma verificação de condição posteriormente no seu código, use variáveis booleanas como sinalizadores</a:t>
             </a:r>
             <a:endParaRPr lang="en-US" dirty="0"/>
           </a:p>
@@ -41350,8 +41477,21 @@
                   <a:schemeClr val="accent1"/>
                 </a:solidFill>
               </a:rPr>
-              <a:t># Somewhere later in your code</a:t>
+              <a:t># </a:t>
             </a:r>
+            <a:r>
+              <a:rPr lang="pt-BR" dirty="0">
+                <a:solidFill>
+                  <a:schemeClr val="accent1"/>
+                </a:solidFill>
+              </a:rPr>
+              <a:t>Em algum lugar mais tarde no seu código</a:t>
+            </a:r>
+            <a:endParaRPr lang="en-US" dirty="0">
+              <a:solidFill>
+                <a:schemeClr val="accent1"/>
+              </a:solidFill>
+            </a:endParaRPr>
           </a:p>
           <a:p>
             <a:r>
@@ -41382,7 +41522,39 @@
                   <a:srgbClr val="C00000"/>
                 </a:solidFill>
               </a:rPr>
-              <a:t>'Well done'</a:t>
+              <a:t>'</a:t>
+            </a:r>
+            <a:r>
+              <a:rPr lang="en-US" dirty="0" err="1">
+                <a:solidFill>
+                  <a:srgbClr val="C00000"/>
+                </a:solidFill>
+              </a:rPr>
+              <a:t>Muito</a:t>
+            </a:r>
+            <a:r>
+              <a:rPr lang="en-US" dirty="0">
+                <a:solidFill>
+                  <a:srgbClr val="C00000"/>
+                </a:solidFill>
+              </a:rPr>
+              <a:t> </a:t>
+            </a:r>
+            <a:r>
+              <a:rPr lang="en-US" dirty="0" err="1">
+                <a:solidFill>
+                  <a:srgbClr val="C00000"/>
+                </a:solidFill>
+              </a:rPr>
+              <a:t>bom</a:t>
+            </a:r>
+            <a:r>
+              <a:rPr lang="en-US" dirty="0">
+                <a:solidFill>
+                  <a:srgbClr val="C00000"/>
+                </a:solidFill>
+              </a:rPr>
+              <a:t>'</a:t>
             </a:r>
             <a:r>
               <a:rPr lang="en-US" dirty="0">
@@ -41457,12 +41629,14 @@
         </p:nvSpPr>
         <p:spPr/>
         <p:txBody>
-          <a:bodyPr/>
+          <a:bodyPr>
+            <a:normAutofit fontScale="90000"/>
+          </a:bodyPr>
           <a:lstStyle/>
           <a:p>
             <a:r>
-              <a:rPr lang="en-US" b="1" dirty="0"/>
-              <a:t>Combining operators allows you to handle complex business rules in your code but must be tested very carefully to avoid introducing errors</a:t>
+              <a:rPr lang="pt-BR" b="1" dirty="0"/>
+              <a:t>A combinação de operadores permite que você lide com regras de negócios complexas em seu código, mas deve ser testado com muito cuidado para evitar a introdução de erros</a:t>
             </a:r>
             <a:endParaRPr lang="en-US" dirty="0"/>
           </a:p>
@@ -42630,27 +42804,12 @@
 </file>
 
 <file path=customXml/item1.xml><?xml version="1.0" encoding="utf-8"?>
-<p:properties xmlns:p="http://schemas.microsoft.com/office/2006/metadata/properties" xmlns:xsi="http://www.w3.org/2001/XMLSchema-instance" xmlns:pc="http://schemas.microsoft.com/office/infopath/2007/PartnerControls">
-  <documentManagement>
-    <SharedWithUsers xmlns="83cd2334-221a-48c3-9034-bfd1542dfe28">
-      <UserInfo>
-        <DisplayName>Gilad Turbahn</DisplayName>
-        <AccountId>511</AccountId>
-        <AccountType/>
-      </UserInfo>
-      <UserInfo>
-        <DisplayName>Keith Boyd</DisplayName>
-        <AccountId>993</AccountId>
-        <AccountType/>
-      </UserInfo>
-      <UserInfo>
-        <DisplayName>Christopher Harrison</DisplayName>
-        <AccountId>1176</AccountId>
-        <AccountType/>
-      </UserInfo>
-    </SharedWithUsers>
-  </documentManagement>
-</p:properties>
+<?mso-contentType ?>
+<FormTemplates xmlns="http://schemas.microsoft.com/sharepoint/v3/contenttype/forms">
+  <Display>DocumentLibraryForm</Display>
+  <Edit>DocumentLibraryForm</Edit>
+  <New>DocumentLibraryForm</New>
+</FormTemplates>
 </file>
 
 <file path=customXml/item10.xml><?xml version="1.0" encoding="utf-8"?>
@@ -42684,42 +42843,18 @@
 </file>
 
 <file path=customXml/item12.xml><?xml version="1.0" encoding="utf-8"?>
-<p:properties xmlns:p="http://schemas.microsoft.com/office/2006/metadata/properties" xmlns:xsi="http://www.w3.org/2001/XMLSchema-instance" xmlns:pc="http://schemas.microsoft.com/office/infopath/2007/PartnerControls">
-  <documentManagement>
-    <SharedWithUsers xmlns="83cd2334-221a-48c3-9034-bfd1542dfe28">
-      <UserInfo>
-        <DisplayName>Gilad Turbahn</DisplayName>
-        <AccountId>511</AccountId>
-        <AccountType/>
-      </UserInfo>
-      <UserInfo>
-        <DisplayName>Keith Boyd</DisplayName>
-        <AccountId>993</AccountId>
-        <AccountType/>
-      </UserInfo>
-      <UserInfo>
-        <DisplayName>Christopher Harrison</DisplayName>
-        <AccountId>1176</AccountId>
-        <AccountType/>
-      </UserInfo>
-    </SharedWithUsers>
-  </documentManagement>
-</p:properties>
+<Control xmlns="http://schemas.microsoft.com/VisualStudio/2011/storyboarding/control">
+  <Id Name="a53d73d2-368b-429e-b817-1324eec1382c" Revision="1" Stencil="7276b9ef-3953-4dce-a89b-ed85f20b8b93" StencilVersion="1.0"/>
+</Control>
 </file>
 
 <file path=customXml/item13.xml><?xml version="1.0" encoding="utf-8"?>
 <Control xmlns="http://schemas.microsoft.com/VisualStudio/2011/storyboarding/control">
-  <Id Name="d69996e1-3d61-4686-9b63-f1b855c596ab" Revision="1" Stencil="7276b9ef-3953-4dce-a89b-ed85f20b8b93" StencilVersion="1.0"/>
+  <Id Name="fb22c541-ded0-47fa-8877-83a4c2d16227" Revision="1" Stencil="7276b9ef-3953-4dce-a89b-ed85f20b8b93" StencilVersion="1.0"/>
 </Control>
 </file>
 
 <file path=customXml/item14.xml><?xml version="1.0" encoding="utf-8"?>
-<Control xmlns="http://schemas.microsoft.com/VisualStudio/2011/storyboarding/control">
-  <Id Name="369f9055-6b6c-48b9-9320-5df2d46c430a" Revision="1" Stencil="7276b9ef-3953-4dce-a89b-ed85f20b8b93" StencilVersion="1.0"/>
-</Control>
-</file>
-
-<file path=customXml/item15.xml><?xml version="1.0" encoding="utf-8"?>
 <?mso-contentType ?>
 <FormTemplates xmlns="http://schemas.microsoft.com/sharepoint/v3/contenttype/forms">
   <Display>DocumentLibraryForm</Display>
@@ -42728,15 +42863,21 @@
 </FormTemplates>
 </file>
 
-<file path=customXml/item16.xml><?xml version="1.0" encoding="utf-8"?>
+<file path=customXml/item15.xml><?xml version="1.0" encoding="utf-8"?>
 <Control xmlns="http://schemas.microsoft.com/VisualStudio/2011/storyboarding/control">
   <Id Name="369f9055-6b6c-48b9-9320-5df2d46c430a" Revision="1" Stencil="7276b9ef-3953-4dce-a89b-ed85f20b8b93" StencilVersion="1.0"/>
 </Control>
 </file>
 
+<file path=customXml/item16.xml><?xml version="1.0" encoding="utf-8"?>
+<Control xmlns="http://schemas.microsoft.com/VisualStudio/2011/storyboarding/control">
+  <Id Name="a53d73d2-368b-429e-b817-1324eec1382c" Revision="1" Stencil="7276b9ef-3953-4dce-a89b-ed85f20b8b93" StencilVersion="1.0"/>
+</Control>
+</file>
+
 <file path=customXml/item17.xml><?xml version="1.0" encoding="utf-8"?>
 <Control xmlns="http://schemas.microsoft.com/VisualStudio/2011/storyboarding/control">
-  <Id Name="fb22c541-ded0-47fa-8877-83a4c2d16227" Revision="1" Stencil="7276b9ef-3953-4dce-a89b-ed85f20b8b93" StencilVersion="1.0"/>
+  <Id Name="a53d73d2-368b-429e-b817-1324eec1382c" Revision="1" Stencil="7276b9ef-3953-4dce-a89b-ed85f20b8b93" StencilVersion="1.0"/>
 </Control>
 </file>
 
@@ -42747,27 +42888,21 @@
 </file>
 
 <file path=customXml/item19.xml><?xml version="1.0" encoding="utf-8"?>
-<?mso-contentType ?>
-<FormTemplates xmlns="http://schemas.microsoft.com/sharepoint/v3/contenttype/forms">
-  <Display>DocumentLibraryForm</Display>
-  <Edit>DocumentLibraryForm</Edit>
-  <New>DocumentLibraryForm</New>
-</FormTemplates>
+<Control xmlns="http://schemas.microsoft.com/VisualStudio/2011/storyboarding/control">
+  <Id Name="a2191c86-fc50-4add-948c-129f6b5a88d8" Revision="1" Stencil="7276b9ef-3953-4dce-a89b-ed85f20b8b93" StencilVersion="1.0"/>
+</Control>
 </file>
 
 <file path=customXml/item2.xml><?xml version="1.0" encoding="utf-8"?>
 <Control xmlns="http://schemas.microsoft.com/VisualStudio/2011/storyboarding/control">
-  <Id Name="fb22c541-ded0-47fa-8877-83a4c2d16227" Revision="1" Stencil="7276b9ef-3953-4dce-a89b-ed85f20b8b93" StencilVersion="1.0"/>
+  <Id Name="a2191c86-fc50-4add-948c-129f6b5a88d8" Revision="1" Stencil="7276b9ef-3953-4dce-a89b-ed85f20b8b93" StencilVersion="1.0"/>
 </Control>
 </file>
 
 <file path=customXml/item20.xml><?xml version="1.0" encoding="utf-8"?>
-<?mso-contentType ?>
-<FormTemplates xmlns="http://schemas.microsoft.com/sharepoint/v3/contenttype/forms">
-  <Display>DocumentLibraryForm</Display>
-  <Edit>DocumentLibraryForm</Edit>
-  <New>DocumentLibraryForm</New>
-</FormTemplates>
+<Control xmlns="http://schemas.microsoft.com/VisualStudio/2011/storyboarding/control">
+  <Id Name="a53d73d2-368b-429e-b817-1324eec1382c" Revision="1" Stencil="7276b9ef-3953-4dce-a89b-ed85f20b8b93" StencilVersion="1.0"/>
+</Control>
 </file>
 
 <file path=customXml/item21.xml><?xml version="1.0" encoding="utf-8"?>
@@ -42781,7 +42916,7 @@
 
 <file path=customXml/item22.xml><?xml version="1.0" encoding="utf-8"?>
 <Control xmlns="http://schemas.microsoft.com/VisualStudio/2011/storyboarding/control">
-  <Id Name="a53d73d2-368b-429e-b817-1324eec1382c" Revision="1" Stencil="7276b9ef-3953-4dce-a89b-ed85f20b8b93" StencilVersion="1.0"/>
+  <Id Name="fb22c541-ded0-47fa-8877-83a4c2d16227" Revision="1" Stencil="7276b9ef-3953-4dce-a89b-ed85f20b8b93" StencilVersion="1.0"/>
 </Control>
 </file>
 
@@ -42811,7 +42946,7 @@
 
 <file path=customXml/item24.xml><?xml version="1.0" encoding="utf-8"?>
 <Control xmlns="http://schemas.microsoft.com/VisualStudio/2011/storyboarding/control">
-  <Id Name="d69996e1-3d61-4686-9b63-f1b855c596ab" Revision="1" Stencil="7276b9ef-3953-4dce-a89b-ed85f20b8b93" StencilVersion="1.0"/>
+  <Id Name="fb22c541-ded0-47fa-8877-83a4c2d16227" Revision="1" Stencil="7276b9ef-3953-4dce-a89b-ed85f20b8b93" StencilVersion="1.0"/>
 </Control>
 </file>
 
@@ -42822,72 +42957,6 @@
 </file>
 
 <file path=customXml/item26.xml><?xml version="1.0" encoding="utf-8"?>
-<Control xmlns="http://schemas.microsoft.com/VisualStudio/2011/storyboarding/control">
-  <Id Name="a2191c86-fc50-4add-948c-129f6b5a88d8" Revision="1" Stencil="7276b9ef-3953-4dce-a89b-ed85f20b8b93" StencilVersion="1.0"/>
-</Control>
-</file>
-
-<file path=customXml/item27.xml><?xml version="1.0" encoding="utf-8"?>
-<Control xmlns="http://schemas.microsoft.com/VisualStudio/2011/storyboarding/control">
-  <Id Name="a53d73d2-368b-429e-b817-1324eec1382c" Revision="1" Stencil="7276b9ef-3953-4dce-a89b-ed85f20b8b93" StencilVersion="1.0"/>
-</Control>
-</file>
-
-<file path=customXml/item28.xml><?xml version="1.0" encoding="utf-8"?>
-<Control xmlns="http://schemas.microsoft.com/VisualStudio/2011/storyboarding/control">
-  <Id Name="d69996e1-3d61-4686-9b63-f1b855c596ab" Revision="1" Stencil="7276b9ef-3953-4dce-a89b-ed85f20b8b93" StencilVersion="1.0"/>
-</Control>
-</file>
-
-<file path=customXml/item29.xml><?xml version="1.0" encoding="utf-8"?>
-<Control xmlns="http://schemas.microsoft.com/VisualStudio/2011/storyboarding/control">
-  <Id Name="d69996e1-3d61-4686-9b63-f1b855c596ab" Revision="1" Stencil="7276b9ef-3953-4dce-a89b-ed85f20b8b93" StencilVersion="1.0"/>
-</Control>
-</file>
-
-<file path=customXml/item3.xml><?xml version="1.0" encoding="utf-8"?>
-<Control xmlns="http://schemas.microsoft.com/VisualStudio/2011/storyboarding/control">
-  <Id Name="fb22c541-ded0-47fa-8877-83a4c2d16227" Revision="1" Stencil="7276b9ef-3953-4dce-a89b-ed85f20b8b93" StencilVersion="1.0"/>
-</Control>
-</file>
-
-<file path=customXml/item30.xml><?xml version="1.0" encoding="utf-8"?>
-<Control xmlns="http://schemas.microsoft.com/VisualStudio/2011/storyboarding/control">
-  <Id Name="d69996e1-3d61-4686-9b63-f1b855c596ab" Revision="1" Stencil="7276b9ef-3953-4dce-a89b-ed85f20b8b93" StencilVersion="1.0"/>
-</Control>
-</file>
-
-<file path=customXml/item31.xml><?xml version="1.0" encoding="utf-8"?>
-<p:properties xmlns:p="http://schemas.microsoft.com/office/2006/metadata/properties" xmlns:xsi="http://www.w3.org/2001/XMLSchema-instance" xmlns:pc="http://schemas.microsoft.com/office/infopath/2007/PartnerControls">
-  <documentManagement>
-    <SharedWithUsers xmlns="83cd2334-221a-48c3-9034-bfd1542dfe28">
-      <UserInfo>
-        <DisplayName>Gilad Turbahn</DisplayName>
-        <AccountId>511</AccountId>
-        <AccountType/>
-      </UserInfo>
-      <UserInfo>
-        <DisplayName>Keith Boyd</DisplayName>
-        <AccountId>993</AccountId>
-        <AccountType/>
-      </UserInfo>
-      <UserInfo>
-        <DisplayName>Christopher Harrison</DisplayName>
-        <AccountId>1176</AccountId>
-        <AccountType/>
-      </UserInfo>
-    </SharedWithUsers>
-  </documentManagement>
-</p:properties>
-</file>
-
-<file path=customXml/item32.xml><?xml version="1.0" encoding="utf-8"?>
-<Control xmlns="http://schemas.microsoft.com/VisualStudio/2011/storyboarding/control">
-  <Id Name="a2191c86-fc50-4add-948c-129f6b5a88d8" Revision="1" Stencil="7276b9ef-3953-4dce-a89b-ed85f20b8b93" StencilVersion="1.0"/>
-</Control>
-</file>
-
-<file path=customXml/item33.xml><?xml version="1.0" encoding="utf-8"?>
 <ct:contentTypeSchema xmlns:ct="http://schemas.microsoft.com/office/2006/metadata/contentType" xmlns:ma="http://schemas.microsoft.com/office/2006/metadata/properties/metaAttributes" ct:_="" ma:_="" ma:contentTypeName="Document" ma:contentTypeID="0x010100674EDBEC711BD14FBA6FF5C10FEFEAC7" ma:contentTypeVersion="2" ma:contentTypeDescription="Create a new document." ma:contentTypeScope="" ma:versionID="2439c5e21841780d4f192983b535a097">
   <xsd:schema xmlns:xsd="http://www.w3.org/2001/XMLSchema" xmlns:xs="http://www.w3.org/2001/XMLSchema" xmlns:p="http://schemas.microsoft.com/office/2006/metadata/properties" xmlns:ns2="83cd2334-221a-48c3-9034-bfd1542dfe28" targetNamespace="http://schemas.microsoft.com/office/2006/metadata/properties" ma:root="true" ma:fieldsID="2bca9163d8d0b233c3086236a9289b04" ns2:_="">
     <xsd:import namespace="83cd2334-221a-48c3-9034-bfd1542dfe28"/>
@@ -43035,13 +43104,100 @@
 </ct:contentTypeSchema>
 </file>
 
-<file path=customXml/item34.xml><?xml version="1.0" encoding="utf-8"?>
+<file path=customXml/item27.xml><?xml version="1.0" encoding="utf-8"?>
+<Control xmlns="http://schemas.microsoft.com/VisualStudio/2011/storyboarding/control">
+  <Id Name="369f9055-6b6c-48b9-9320-5df2d46c430a" Revision="1" Stencil="7276b9ef-3953-4dce-a89b-ed85f20b8b93" StencilVersion="1.0"/>
+</Control>
+</file>
+
+<file path=customXml/item28.xml><?xml version="1.0" encoding="utf-8"?>
 <?mso-contentType ?>
 <FormTemplates xmlns="http://schemas.microsoft.com/sharepoint/v3/contenttype/forms">
   <Display>DocumentLibraryForm</Display>
   <Edit>DocumentLibraryForm</Edit>
   <New>DocumentLibraryForm</New>
 </FormTemplates>
+</file>
+
+<file path=customXml/item29.xml><?xml version="1.0" encoding="utf-8"?>
+<Control xmlns="http://schemas.microsoft.com/VisualStudio/2011/storyboarding/control">
+  <Id Name="a53d73d2-368b-429e-b817-1324eec1382c" Revision="1" Stencil="7276b9ef-3953-4dce-a89b-ed85f20b8b93" StencilVersion="1.0"/>
+</Control>
+</file>
+
+<file path=customXml/item3.xml><?xml version="1.0" encoding="utf-8"?>
+<Control xmlns="http://schemas.microsoft.com/VisualStudio/2011/storyboarding/control">
+  <Id Name="a53d73d2-368b-429e-b817-1324eec1382c" Revision="1" Stencil="7276b9ef-3953-4dce-a89b-ed85f20b8b93" StencilVersion="1.0"/>
+</Control>
+</file>
+
+<file path=customXml/item30.xml><?xml version="1.0" encoding="utf-8"?>
+<p:properties xmlns:p="http://schemas.microsoft.com/office/2006/metadata/properties" xmlns:xsi="http://www.w3.org/2001/XMLSchema-instance" xmlns:pc="http://schemas.microsoft.com/office/infopath/2007/PartnerControls">
+  <documentManagement>
+    <SharedWithUsers xmlns="83cd2334-221a-48c3-9034-bfd1542dfe28">
+      <UserInfo>
+        <DisplayName>Gilad Turbahn</DisplayName>
+        <AccountId>511</AccountId>
+        <AccountType/>
+      </UserInfo>
+      <UserInfo>
+        <DisplayName>Keith Boyd</DisplayName>
+        <AccountId>993</AccountId>
+        <AccountType/>
+      </UserInfo>
+      <UserInfo>
+        <DisplayName>Christopher Harrison</DisplayName>
+        <AccountId>1176</AccountId>
+        <AccountType/>
+      </UserInfo>
+    </SharedWithUsers>
+  </documentManagement>
+</p:properties>
+</file>
+
+<file path=customXml/item31.xml><?xml version="1.0" encoding="utf-8"?>
+<Control xmlns="http://schemas.microsoft.com/VisualStudio/2011/storyboarding/control">
+  <Id Name="fb22c541-ded0-47fa-8877-83a4c2d16227" Revision="1" Stencil="7276b9ef-3953-4dce-a89b-ed85f20b8b93" StencilVersion="1.0"/>
+</Control>
+</file>
+
+<file path=customXml/item32.xml><?xml version="1.0" encoding="utf-8"?>
+<?mso-contentType ?>
+<FormTemplates xmlns="http://schemas.microsoft.com/sharepoint/v3/contenttype/forms">
+  <Display>DocumentLibraryForm</Display>
+  <Edit>DocumentLibraryForm</Edit>
+  <New>DocumentLibraryForm</New>
+</FormTemplates>
+</file>
+
+<file path=customXml/item33.xml><?xml version="1.0" encoding="utf-8"?>
+<p:properties xmlns:p="http://schemas.microsoft.com/office/2006/metadata/properties" xmlns:xsi="http://www.w3.org/2001/XMLSchema-instance" xmlns:pc="http://schemas.microsoft.com/office/infopath/2007/PartnerControls">
+  <documentManagement>
+    <SharedWithUsers xmlns="83cd2334-221a-48c3-9034-bfd1542dfe28">
+      <UserInfo>
+        <DisplayName>Gilad Turbahn</DisplayName>
+        <AccountId>511</AccountId>
+        <AccountType/>
+      </UserInfo>
+      <UserInfo>
+        <DisplayName>Keith Boyd</DisplayName>
+        <AccountId>993</AccountId>
+        <AccountType/>
+      </UserInfo>
+      <UserInfo>
+        <DisplayName>Christopher Harrison</DisplayName>
+        <AccountId>1176</AccountId>
+        <AccountType/>
+      </UserInfo>
+    </SharedWithUsers>
+  </documentManagement>
+</p:properties>
+</file>
+
+<file path=customXml/item34.xml><?xml version="1.0" encoding="utf-8"?>
+<Control xmlns="http://schemas.microsoft.com/VisualStudio/2011/storyboarding/control">
+  <Id Name="d69996e1-3d61-4686-9b63-f1b855c596ab" Revision="1" Stencil="7276b9ef-3953-4dce-a89b-ed85f20b8b93" StencilVersion="1.0"/>
+</Control>
 </file>
 
 <file path=customXml/item35.xml><?xml version="1.0" encoding="utf-8"?>
@@ -43052,35 +43208,53 @@
 
 <file path=customXml/item36.xml><?xml version="1.0" encoding="utf-8"?>
 <Control xmlns="http://schemas.microsoft.com/VisualStudio/2011/storyboarding/control">
+  <Id Name="369f9055-6b6c-48b9-9320-5df2d46c430a" Revision="1" Stencil="7276b9ef-3953-4dce-a89b-ed85f20b8b93" StencilVersion="1.0"/>
+</Control>
+</file>
+
+<file path=customXml/item37.xml><?xml version="1.0" encoding="utf-8"?>
+<p:properties xmlns:p="http://schemas.microsoft.com/office/2006/metadata/properties" xmlns:xsi="http://www.w3.org/2001/XMLSchema-instance" xmlns:pc="http://schemas.microsoft.com/office/infopath/2007/PartnerControls">
+  <documentManagement>
+    <SharedWithUsers xmlns="83cd2334-221a-48c3-9034-bfd1542dfe28">
+      <UserInfo>
+        <DisplayName>Gilad Turbahn</DisplayName>
+        <AccountId>511</AccountId>
+        <AccountType/>
+      </UserInfo>
+      <UserInfo>
+        <DisplayName>Keith Boyd</DisplayName>
+        <AccountId>993</AccountId>
+        <AccountType/>
+      </UserInfo>
+      <UserInfo>
+        <DisplayName>Christopher Harrison</DisplayName>
+        <AccountId>1176</AccountId>
+        <AccountType/>
+      </UserInfo>
+    </SharedWithUsers>
+  </documentManagement>
+</p:properties>
+</file>
+
+<file path=customXml/item38.xml><?xml version="1.0" encoding="utf-8"?>
+<Control xmlns="http://schemas.microsoft.com/VisualStudio/2011/storyboarding/control">
   <Id Name="a2191c86-fc50-4add-948c-129f6b5a88d8" Revision="1" Stencil="7276b9ef-3953-4dce-a89b-ed85f20b8b93" StencilVersion="1.0"/>
 </Control>
 </file>
 
-<file path=customXml/item37.xml><?xml version="1.0" encoding="utf-8"?>
-<Control xmlns="http://schemas.microsoft.com/VisualStudio/2011/storyboarding/control">
-  <Id Name="369f9055-6b6c-48b9-9320-5df2d46c430a" Revision="1" Stencil="7276b9ef-3953-4dce-a89b-ed85f20b8b93" StencilVersion="1.0"/>
-</Control>
-</file>
-
-<file path=customXml/item38.xml><?xml version="1.0" encoding="utf-8"?>
-<Control xmlns="http://schemas.microsoft.com/VisualStudio/2011/storyboarding/control">
-  <Id Name="369f9055-6b6c-48b9-9320-5df2d46c430a" Revision="1" Stencil="7276b9ef-3953-4dce-a89b-ed85f20b8b93" StencilVersion="1.0"/>
-</Control>
-</file>
-
 <file path=customXml/item39.xml><?xml version="1.0" encoding="utf-8"?>
-<Control xmlns="http://schemas.microsoft.com/VisualStudio/2011/storyboarding/control">
-  <Id Name="369f9055-6b6c-48b9-9320-5df2d46c430a" Revision="1" Stencil="7276b9ef-3953-4dce-a89b-ed85f20b8b93" StencilVersion="1.0"/>
-</Control>
-</file>
-
-<file path=customXml/item4.xml><?xml version="1.0" encoding="utf-8"?>
 <?mso-contentType ?>
 <FormTemplates xmlns="http://schemas.microsoft.com/sharepoint/v3/contenttype/forms">
   <Display>DocumentLibraryForm</Display>
   <Edit>DocumentLibraryForm</Edit>
   <New>DocumentLibraryForm</New>
 </FormTemplates>
+</file>
+
+<file path=customXml/item4.xml><?xml version="1.0" encoding="utf-8"?>
+<Control xmlns="http://schemas.microsoft.com/VisualStudio/2011/storyboarding/control">
+  <Id Name="fb22c541-ded0-47fa-8877-83a4c2d16227" Revision="1" Stencil="7276b9ef-3953-4dce-a89b-ed85f20b8b93" StencilVersion="1.0"/>
+</Control>
 </file>
 
 <file path=customXml/item40.xml><?xml version="1.0" encoding="utf-8"?>
@@ -43109,53 +43283,29 @@
 
 <file path=customXml/item41.xml><?xml version="1.0" encoding="utf-8"?>
 <Control xmlns="http://schemas.microsoft.com/VisualStudio/2011/storyboarding/control">
-  <Id Name="a53d73d2-368b-429e-b817-1324eec1382c" Revision="1" Stencil="7276b9ef-3953-4dce-a89b-ed85f20b8b93" StencilVersion="1.0"/>
+  <Id Name="d69996e1-3d61-4686-9b63-f1b855c596ab" Revision="1" Stencil="7276b9ef-3953-4dce-a89b-ed85f20b8b93" StencilVersion="1.0"/>
 </Control>
 </file>
 
 <file path=customXml/item42.xml><?xml version="1.0" encoding="utf-8"?>
 <Control xmlns="http://schemas.microsoft.com/VisualStudio/2011/storyboarding/control">
-  <Id Name="a2191c86-fc50-4add-948c-129f6b5a88d8" Revision="1" Stencil="7276b9ef-3953-4dce-a89b-ed85f20b8b93" StencilVersion="1.0"/>
+  <Id Name="d69996e1-3d61-4686-9b63-f1b855c596ab" Revision="1" Stencil="7276b9ef-3953-4dce-a89b-ed85f20b8b93" StencilVersion="1.0"/>
 </Control>
 </file>
 
 <file path=customXml/item43.xml><?xml version="1.0" encoding="utf-8"?>
 <Control xmlns="http://schemas.microsoft.com/VisualStudio/2011/storyboarding/control">
-  <Id Name="a53d73d2-368b-429e-b817-1324eec1382c" Revision="1" Stencil="7276b9ef-3953-4dce-a89b-ed85f20b8b93" StencilVersion="1.0"/>
+  <Id Name="a2191c86-fc50-4add-948c-129f6b5a88d8" Revision="1" Stencil="7276b9ef-3953-4dce-a89b-ed85f20b8b93" StencilVersion="1.0"/>
 </Control>
 </file>
 
 <file path=customXml/item44.xml><?xml version="1.0" encoding="utf-8"?>
 <Control xmlns="http://schemas.microsoft.com/VisualStudio/2011/storyboarding/control">
-  <Id Name="a2191c86-fc50-4add-948c-129f6b5a88d8" Revision="1" Stencil="7276b9ef-3953-4dce-a89b-ed85f20b8b93" StencilVersion="1.0"/>
+  <Id Name="369f9055-6b6c-48b9-9320-5df2d46c430a" Revision="1" Stencil="7276b9ef-3953-4dce-a89b-ed85f20b8b93" StencilVersion="1.0"/>
 </Control>
 </file>
 
 <file path=customXml/item45.xml><?xml version="1.0" encoding="utf-8"?>
-<Control xmlns="http://schemas.microsoft.com/VisualStudio/2011/storyboarding/control">
-  <Id Name="a53d73d2-368b-429e-b817-1324eec1382c" Revision="1" Stencil="7276b9ef-3953-4dce-a89b-ed85f20b8b93" StencilVersion="1.0"/>
-</Control>
-</file>
-
-<file path=customXml/item5.xml><?xml version="1.0" encoding="utf-8"?>
-<Control xmlns="http://schemas.microsoft.com/VisualStudio/2011/storyboarding/control">
-  <Id Name="fb22c541-ded0-47fa-8877-83a4c2d16227" Revision="1" Stencil="7276b9ef-3953-4dce-a89b-ed85f20b8b93" StencilVersion="1.0"/>
-</Control>
-</file>
-
-<file path=customXml/item6.xml><?xml version="1.0" encoding="utf-8"?>
-<Control xmlns="http://schemas.microsoft.com/VisualStudio/2011/storyboarding/control">
-  <Id Name="fb22c541-ded0-47fa-8877-83a4c2d16227" Revision="1" Stencil="7276b9ef-3953-4dce-a89b-ed85f20b8b93" StencilVersion="1.0"/>
-</Control>
-</file>
-
-<file path=customXml/item7.xml><?xml version="1.0" encoding="utf-8"?>
-<Control xmlns="http://schemas.microsoft.com/VisualStudio/2011/storyboarding/control">
-  <Id Name="a53d73d2-368b-429e-b817-1324eec1382c" Revision="1" Stencil="7276b9ef-3953-4dce-a89b-ed85f20b8b93" StencilVersion="1.0"/>
-</Control>
-</file>
-
-<file path=customXml/item8.xml><?xml version="1.0" encoding="utf-8"?>
 <?mso-contentType ?>
 <FormTemplates xmlns="http://schemas.microsoft.com/sharepoint/v3/contenttype/forms">
   <Display>DocumentLibraryForm</Display>
@@ -43164,7 +43314,19 @@
 </FormTemplates>
 </file>
 
-<file path=customXml/item9.xml><?xml version="1.0" encoding="utf-8"?>
+<file path=customXml/item5.xml><?xml version="1.0" encoding="utf-8"?>
+<Control xmlns="http://schemas.microsoft.com/VisualStudio/2011/storyboarding/control">
+  <Id Name="369f9055-6b6c-48b9-9320-5df2d46c430a" Revision="1" Stencil="7276b9ef-3953-4dce-a89b-ed85f20b8b93" StencilVersion="1.0"/>
+</Control>
+</file>
+
+<file path=customXml/item6.xml><?xml version="1.0" encoding="utf-8"?>
+<Control xmlns="http://schemas.microsoft.com/VisualStudio/2011/storyboarding/control">
+  <Id Name="d69996e1-3d61-4686-9b63-f1b855c596ab" Revision="1" Stencil="7276b9ef-3953-4dce-a89b-ed85f20b8b93" StencilVersion="1.0"/>
+</Control>
+</file>
+
+<file path=customXml/item7.xml><?xml version="1.0" encoding="utf-8"?>
 <p:properties xmlns:p="http://schemas.microsoft.com/office/2006/metadata/properties" xmlns:xsi="http://www.w3.org/2001/XMLSchema-instance" xmlns:pc="http://schemas.microsoft.com/office/infopath/2007/PartnerControls">
   <documentManagement>
     <SharedWithUsers xmlns="83cd2334-221a-48c3-9034-bfd1542dfe28">
@@ -43188,18 +43350,28 @@
 </p:properties>
 </file>
 
+<file path=customXml/item8.xml><?xml version="1.0" encoding="utf-8"?>
+<Control xmlns="http://schemas.microsoft.com/VisualStudio/2011/storyboarding/control">
+  <Id Name="d69996e1-3d61-4686-9b63-f1b855c596ab" Revision="1" Stencil="7276b9ef-3953-4dce-a89b-ed85f20b8b93" StencilVersion="1.0"/>
+</Control>
+</file>
+
+<file path=customXml/item9.xml><?xml version="1.0" encoding="utf-8"?>
+<Control xmlns="http://schemas.microsoft.com/VisualStudio/2011/storyboarding/control">
+  <Id Name="a2191c86-fc50-4add-948c-129f6b5a88d8" Revision="1" Stencil="7276b9ef-3953-4dce-a89b-ed85f20b8b93" StencilVersion="1.0"/>
+</Control>
+</file>
+
 <file path=customXml/itemProps1.xml><?xml version="1.0" encoding="utf-8"?>
-<ds:datastoreItem xmlns:ds="http://schemas.openxmlformats.org/officeDocument/2006/customXml" ds:itemID="{9BE78A66-4434-47C0-B320-1318DEA49846}">
+<ds:datastoreItem xmlns:ds="http://schemas.openxmlformats.org/officeDocument/2006/customXml" ds:itemID="{758FDAC0-319D-4A54-8D8E-1D42CB1F8004}">
   <ds:schemaRefs>
-    <ds:schemaRef ds:uri="http://schemas.microsoft.com/office/2006/metadata/properties"/>
-    <ds:schemaRef ds:uri="http://schemas.microsoft.com/office/infopath/2007/PartnerControls"/>
-    <ds:schemaRef ds:uri="83cd2334-221a-48c3-9034-bfd1542dfe28"/>
+    <ds:schemaRef ds:uri="http://schemas.microsoft.com/sharepoint/v3/contenttype/forms"/>
   </ds:schemaRefs>
 </ds:datastoreItem>
 </file>
 
 <file path=customXml/itemProps10.xml><?xml version="1.0" encoding="utf-8"?>
-<ds:datastoreItem xmlns:ds="http://schemas.openxmlformats.org/officeDocument/2006/customXml" ds:itemID="{42D603BF-B513-4201-A599-21BA0F4FFC40}">
+<ds:datastoreItem xmlns:ds="http://schemas.openxmlformats.org/officeDocument/2006/customXml" ds:itemID="{38217AA1-CC95-49A9-B284-2ED4D347D7CA}">
   <ds:schemaRefs>
     <ds:schemaRef ds:uri="http://schemas.microsoft.com/VisualStudio/2011/storyboarding/control"/>
   </ds:schemaRefs>
@@ -43207,7 +43379,7 @@
 </file>
 
 <file path=customXml/itemProps11.xml><?xml version="1.0" encoding="utf-8"?>
-<ds:datastoreItem xmlns:ds="http://schemas.openxmlformats.org/officeDocument/2006/customXml" ds:itemID="{2B0B218D-69BD-428E-BAF6-D3414B967109}">
+<ds:datastoreItem xmlns:ds="http://schemas.openxmlformats.org/officeDocument/2006/customXml" ds:itemID="{F2DB1441-CF39-4D37-BBD5-243D4AD5F71A}">
   <ds:schemaRefs>
     <ds:schemaRef ds:uri="http://schemas.microsoft.com/office/2006/metadata/properties"/>
     <ds:schemaRef ds:uri="http://schemas.microsoft.com/office/infopath/2007/PartnerControls"/>
@@ -43217,6 +43389,102 @@
 </file>
 
 <file path=customXml/itemProps12.xml><?xml version="1.0" encoding="utf-8"?>
+<ds:datastoreItem xmlns:ds="http://schemas.openxmlformats.org/officeDocument/2006/customXml" ds:itemID="{4E805D65-1532-4BB0-8F41-8013167C0009}">
+  <ds:schemaRefs>
+    <ds:schemaRef ds:uri="http://schemas.microsoft.com/VisualStudio/2011/storyboarding/control"/>
+  </ds:schemaRefs>
+</ds:datastoreItem>
+</file>
+
+<file path=customXml/itemProps13.xml><?xml version="1.0" encoding="utf-8"?>
+<ds:datastoreItem xmlns:ds="http://schemas.openxmlformats.org/officeDocument/2006/customXml" ds:itemID="{D6FEE829-2115-45B4-8110-670FD454542B}">
+  <ds:schemaRefs>
+    <ds:schemaRef ds:uri="http://schemas.microsoft.com/VisualStudio/2011/storyboarding/control"/>
+  </ds:schemaRefs>
+</ds:datastoreItem>
+</file>
+
+<file path=customXml/itemProps14.xml><?xml version="1.0" encoding="utf-8"?>
+<ds:datastoreItem xmlns:ds="http://schemas.openxmlformats.org/officeDocument/2006/customXml" ds:itemID="{1EF25EC2-965B-4491-9691-6B806C9E3B8B}">
+  <ds:schemaRefs>
+    <ds:schemaRef ds:uri="http://schemas.microsoft.com/sharepoint/v3/contenttype/forms"/>
+  </ds:schemaRefs>
+</ds:datastoreItem>
+</file>
+
+<file path=customXml/itemProps15.xml><?xml version="1.0" encoding="utf-8"?>
+<ds:datastoreItem xmlns:ds="http://schemas.openxmlformats.org/officeDocument/2006/customXml" ds:itemID="{82DB428A-B8F8-483F-8276-095629A8ECDB}">
+  <ds:schemaRefs>
+    <ds:schemaRef ds:uri="http://schemas.microsoft.com/VisualStudio/2011/storyboarding/control"/>
+  </ds:schemaRefs>
+</ds:datastoreItem>
+</file>
+
+<file path=customXml/itemProps16.xml><?xml version="1.0" encoding="utf-8"?>
+<ds:datastoreItem xmlns:ds="http://schemas.openxmlformats.org/officeDocument/2006/customXml" ds:itemID="{6FB9D450-4C47-4A44-8C0D-C78D8A54C46F}">
+  <ds:schemaRefs>
+    <ds:schemaRef ds:uri="http://schemas.microsoft.com/VisualStudio/2011/storyboarding/control"/>
+  </ds:schemaRefs>
+</ds:datastoreItem>
+</file>
+
+<file path=customXml/itemProps17.xml><?xml version="1.0" encoding="utf-8"?>
+<ds:datastoreItem xmlns:ds="http://schemas.openxmlformats.org/officeDocument/2006/customXml" ds:itemID="{ED350DFE-2319-4AB0-BC96-1D36D125365A}">
+  <ds:schemaRefs>
+    <ds:schemaRef ds:uri="http://schemas.microsoft.com/VisualStudio/2011/storyboarding/control"/>
+  </ds:schemaRefs>
+</ds:datastoreItem>
+</file>
+
+<file path=customXml/itemProps18.xml><?xml version="1.0" encoding="utf-8"?>
+<ds:datastoreItem xmlns:ds="http://schemas.openxmlformats.org/officeDocument/2006/customXml" ds:itemID="{366CA990-F93D-4100-9654-65D9E30F4E1C}">
+  <ds:schemaRefs>
+    <ds:schemaRef ds:uri="http://schemas.microsoft.com/VisualStudio/2011/storyboarding/control"/>
+  </ds:schemaRefs>
+</ds:datastoreItem>
+</file>
+
+<file path=customXml/itemProps19.xml><?xml version="1.0" encoding="utf-8"?>
+<ds:datastoreItem xmlns:ds="http://schemas.openxmlformats.org/officeDocument/2006/customXml" ds:itemID="{8BD595CA-AC5E-43B9-B966-E468A16E8322}">
+  <ds:schemaRefs>
+    <ds:schemaRef ds:uri="http://schemas.microsoft.com/VisualStudio/2011/storyboarding/control"/>
+  </ds:schemaRefs>
+</ds:datastoreItem>
+</file>
+
+<file path=customXml/itemProps2.xml><?xml version="1.0" encoding="utf-8"?>
+<ds:datastoreItem xmlns:ds="http://schemas.openxmlformats.org/officeDocument/2006/customXml" ds:itemID="{4B16F4FE-7C26-4443-B426-81998D23ED87}">
+  <ds:schemaRefs>
+    <ds:schemaRef ds:uri="http://schemas.microsoft.com/VisualStudio/2011/storyboarding/control"/>
+  </ds:schemaRefs>
+</ds:datastoreItem>
+</file>
+
+<file path=customXml/itemProps20.xml><?xml version="1.0" encoding="utf-8"?>
+<ds:datastoreItem xmlns:ds="http://schemas.openxmlformats.org/officeDocument/2006/customXml" ds:itemID="{21F6B647-976A-41D0-B760-9DF9DFC6AE3C}">
+  <ds:schemaRefs>
+    <ds:schemaRef ds:uri="http://schemas.microsoft.com/VisualStudio/2011/storyboarding/control"/>
+  </ds:schemaRefs>
+</ds:datastoreItem>
+</file>
+
+<file path=customXml/itemProps21.xml><?xml version="1.0" encoding="utf-8"?>
+<ds:datastoreItem xmlns:ds="http://schemas.openxmlformats.org/officeDocument/2006/customXml" ds:itemID="{7FA46DDE-FD42-428C-9A75-6D1D40C80BBB}">
+  <ds:schemaRefs>
+    <ds:schemaRef ds:uri="http://schemas.microsoft.com/sharepoint/v3/contenttype/forms"/>
+  </ds:schemaRefs>
+</ds:datastoreItem>
+</file>
+
+<file path=customXml/itemProps22.xml><?xml version="1.0" encoding="utf-8"?>
+<ds:datastoreItem xmlns:ds="http://schemas.openxmlformats.org/officeDocument/2006/customXml" ds:itemID="{B5105A87-47B6-44F6-97FD-4619C0556604}">
+  <ds:schemaRefs>
+    <ds:schemaRef ds:uri="http://schemas.microsoft.com/VisualStudio/2011/storyboarding/control"/>
+  </ds:schemaRefs>
+</ds:datastoreItem>
+</file>
+
+<file path=customXml/itemProps23.xml><?xml version="1.0" encoding="utf-8"?>
 <ds:datastoreItem xmlns:ds="http://schemas.openxmlformats.org/officeDocument/2006/customXml" ds:itemID="{6AFCD33B-75C8-402F-855A-E3F31351A5C9}">
   <ds:schemaRefs>
     <ds:schemaRef ds:uri="http://schemas.microsoft.com/office/2006/metadata/properties"/>
@@ -43226,106 +43494,8 @@
 </ds:datastoreItem>
 </file>
 
-<file path=customXml/itemProps13.xml><?xml version="1.0" encoding="utf-8"?>
-<ds:datastoreItem xmlns:ds="http://schemas.openxmlformats.org/officeDocument/2006/customXml" ds:itemID="{3DC6CABD-46E1-4C27-A0B3-616DC56F8E5C}">
-  <ds:schemaRefs>
-    <ds:schemaRef ds:uri="http://schemas.microsoft.com/VisualStudio/2011/storyboarding/control"/>
-  </ds:schemaRefs>
-</ds:datastoreItem>
-</file>
-
-<file path=customXml/itemProps14.xml><?xml version="1.0" encoding="utf-8"?>
-<ds:datastoreItem xmlns:ds="http://schemas.openxmlformats.org/officeDocument/2006/customXml" ds:itemID="{82DB428A-B8F8-483F-8276-095629A8ECDB}">
-  <ds:schemaRefs>
-    <ds:schemaRef ds:uri="http://schemas.microsoft.com/VisualStudio/2011/storyboarding/control"/>
-  </ds:schemaRefs>
-</ds:datastoreItem>
-</file>
-
-<file path=customXml/itemProps15.xml><?xml version="1.0" encoding="utf-8"?>
-<ds:datastoreItem xmlns:ds="http://schemas.openxmlformats.org/officeDocument/2006/customXml" ds:itemID="{1CB23883-94DE-437E-B761-50A8898E164E}">
-  <ds:schemaRefs>
-    <ds:schemaRef ds:uri="http://schemas.microsoft.com/sharepoint/v3/contenttype/forms"/>
-  </ds:schemaRefs>
-</ds:datastoreItem>
-</file>
-
-<file path=customXml/itemProps16.xml><?xml version="1.0" encoding="utf-8"?>
-<ds:datastoreItem xmlns:ds="http://schemas.openxmlformats.org/officeDocument/2006/customXml" ds:itemID="{FE651ABA-5DC1-4ABD-A06E-055AE54B337B}">
-  <ds:schemaRefs>
-    <ds:schemaRef ds:uri="http://schemas.microsoft.com/VisualStudio/2011/storyboarding/control"/>
-  </ds:schemaRefs>
-</ds:datastoreItem>
-</file>
-
-<file path=customXml/itemProps17.xml><?xml version="1.0" encoding="utf-8"?>
+<file path=customXml/itemProps24.xml><?xml version="1.0" encoding="utf-8"?>
 <ds:datastoreItem xmlns:ds="http://schemas.openxmlformats.org/officeDocument/2006/customXml" ds:itemID="{4E8278DB-3CDD-48A7-992E-A7596AD335B9}">
-  <ds:schemaRefs>
-    <ds:schemaRef ds:uri="http://schemas.microsoft.com/VisualStudio/2011/storyboarding/control"/>
-  </ds:schemaRefs>
-</ds:datastoreItem>
-</file>
-
-<file path=customXml/itemProps18.xml><?xml version="1.0" encoding="utf-8"?>
-<ds:datastoreItem xmlns:ds="http://schemas.openxmlformats.org/officeDocument/2006/customXml" ds:itemID="{0282FB20-2D4C-459D-8468-77D1D3C6925D}">
-  <ds:schemaRefs>
-    <ds:schemaRef ds:uri="http://schemas.microsoft.com/VisualStudio/2011/storyboarding/control"/>
-  </ds:schemaRefs>
-</ds:datastoreItem>
-</file>
-
-<file path=customXml/itemProps19.xml><?xml version="1.0" encoding="utf-8"?>
-<ds:datastoreItem xmlns:ds="http://schemas.openxmlformats.org/officeDocument/2006/customXml" ds:itemID="{1EF25EC2-965B-4491-9691-6B806C9E3B8B}">
-  <ds:schemaRefs>
-    <ds:schemaRef ds:uri="http://schemas.microsoft.com/sharepoint/v3/contenttype/forms"/>
-  </ds:schemaRefs>
-</ds:datastoreItem>
-</file>
-
-<file path=customXml/itemProps2.xml><?xml version="1.0" encoding="utf-8"?>
-<ds:datastoreItem xmlns:ds="http://schemas.openxmlformats.org/officeDocument/2006/customXml" ds:itemID="{376216F9-AF6B-4844-AE8C-B9F953F916AB}">
-  <ds:schemaRefs>
-    <ds:schemaRef ds:uri="http://schemas.microsoft.com/VisualStudio/2011/storyboarding/control"/>
-  </ds:schemaRefs>
-</ds:datastoreItem>
-</file>
-
-<file path=customXml/itemProps20.xml><?xml version="1.0" encoding="utf-8"?>
-<ds:datastoreItem xmlns:ds="http://schemas.openxmlformats.org/officeDocument/2006/customXml" ds:itemID="{9360AFB9-8F99-4E1B-878D-F2EBABEB164C}">
-  <ds:schemaRefs>
-    <ds:schemaRef ds:uri="http://schemas.microsoft.com/sharepoint/v3/contenttype/forms"/>
-  </ds:schemaRefs>
-</ds:datastoreItem>
-</file>
-
-<file path=customXml/itemProps21.xml><?xml version="1.0" encoding="utf-8"?>
-<ds:datastoreItem xmlns:ds="http://schemas.openxmlformats.org/officeDocument/2006/customXml" ds:itemID="{DD180159-5189-415B-9D51-B123F7569FCA}">
-  <ds:schemaRefs>
-    <ds:schemaRef ds:uri="http://schemas.microsoft.com/sharepoint/v3/contenttype/forms"/>
-  </ds:schemaRefs>
-</ds:datastoreItem>
-</file>
-
-<file path=customXml/itemProps22.xml><?xml version="1.0" encoding="utf-8"?>
-<ds:datastoreItem xmlns:ds="http://schemas.openxmlformats.org/officeDocument/2006/customXml" ds:itemID="{6FB9D450-4C47-4A44-8C0D-C78D8A54C46F}">
-  <ds:schemaRefs>
-    <ds:schemaRef ds:uri="http://schemas.microsoft.com/VisualStudio/2011/storyboarding/control"/>
-  </ds:schemaRefs>
-</ds:datastoreItem>
-</file>
-
-<file path=customXml/itemProps23.xml><?xml version="1.0" encoding="utf-8"?>
-<ds:datastoreItem xmlns:ds="http://schemas.openxmlformats.org/officeDocument/2006/customXml" ds:itemID="{473A6A21-7521-4B81-9336-9B587BA12275}">
-  <ds:schemaRefs>
-    <ds:schemaRef ds:uri="http://schemas.microsoft.com/office/2006/metadata/properties"/>
-    <ds:schemaRef ds:uri="http://schemas.microsoft.com/office/infopath/2007/PartnerControls"/>
-    <ds:schemaRef ds:uri="83cd2334-221a-48c3-9034-bfd1542dfe28"/>
-  </ds:schemaRefs>
-</ds:datastoreItem>
-</file>
-
-<file path=customXml/itemProps24.xml><?xml version="1.0" encoding="utf-8"?>
-<ds:datastoreItem xmlns:ds="http://schemas.openxmlformats.org/officeDocument/2006/customXml" ds:itemID="{C63AC2F0-1DEB-4E91-A88A-7A014A172F4F}">
   <ds:schemaRefs>
     <ds:schemaRef ds:uri="http://schemas.microsoft.com/VisualStudio/2011/storyboarding/control"/>
   </ds:schemaRefs>
@@ -43341,72 +43511,6 @@
 </file>
 
 <file path=customXml/itemProps26.xml><?xml version="1.0" encoding="utf-8"?>
-<ds:datastoreItem xmlns:ds="http://schemas.openxmlformats.org/officeDocument/2006/customXml" ds:itemID="{3C954CC5-1CAC-4EC3-9791-8630483065B9}">
-  <ds:schemaRefs>
-    <ds:schemaRef ds:uri="http://schemas.microsoft.com/VisualStudio/2011/storyboarding/control"/>
-  </ds:schemaRefs>
-</ds:datastoreItem>
-</file>
-
-<file path=customXml/itemProps27.xml><?xml version="1.0" encoding="utf-8"?>
-<ds:datastoreItem xmlns:ds="http://schemas.openxmlformats.org/officeDocument/2006/customXml" ds:itemID="{ED350DFE-2319-4AB0-BC96-1D36D125365A}">
-  <ds:schemaRefs>
-    <ds:schemaRef ds:uri="http://schemas.microsoft.com/VisualStudio/2011/storyboarding/control"/>
-  </ds:schemaRefs>
-</ds:datastoreItem>
-</file>
-
-<file path=customXml/itemProps28.xml><?xml version="1.0" encoding="utf-8"?>
-<ds:datastoreItem xmlns:ds="http://schemas.openxmlformats.org/officeDocument/2006/customXml" ds:itemID="{67213E6F-7B96-4222-888B-63710B06D885}">
-  <ds:schemaRefs>
-    <ds:schemaRef ds:uri="http://schemas.microsoft.com/VisualStudio/2011/storyboarding/control"/>
-  </ds:schemaRefs>
-</ds:datastoreItem>
-</file>
-
-<file path=customXml/itemProps29.xml><?xml version="1.0" encoding="utf-8"?>
-<ds:datastoreItem xmlns:ds="http://schemas.openxmlformats.org/officeDocument/2006/customXml" ds:itemID="{C0F92A87-A216-45A9-B9C0-0515663D35BF}">
-  <ds:schemaRefs>
-    <ds:schemaRef ds:uri="http://schemas.microsoft.com/VisualStudio/2011/storyboarding/control"/>
-  </ds:schemaRefs>
-</ds:datastoreItem>
-</file>
-
-<file path=customXml/itemProps3.xml><?xml version="1.0" encoding="utf-8"?>
-<ds:datastoreItem xmlns:ds="http://schemas.openxmlformats.org/officeDocument/2006/customXml" ds:itemID="{B5105A87-47B6-44F6-97FD-4619C0556604}">
-  <ds:schemaRefs>
-    <ds:schemaRef ds:uri="http://schemas.microsoft.com/VisualStudio/2011/storyboarding/control"/>
-  </ds:schemaRefs>
-</ds:datastoreItem>
-</file>
-
-<file path=customXml/itemProps30.xml><?xml version="1.0" encoding="utf-8"?>
-<ds:datastoreItem xmlns:ds="http://schemas.openxmlformats.org/officeDocument/2006/customXml" ds:itemID="{366CA990-F93D-4100-9654-65D9E30F4E1C}">
-  <ds:schemaRefs>
-    <ds:schemaRef ds:uri="http://schemas.microsoft.com/VisualStudio/2011/storyboarding/control"/>
-  </ds:schemaRefs>
-</ds:datastoreItem>
-</file>
-
-<file path=customXml/itemProps31.xml><?xml version="1.0" encoding="utf-8"?>
-<ds:datastoreItem xmlns:ds="http://schemas.openxmlformats.org/officeDocument/2006/customXml" ds:itemID="{E692D73E-1478-4790-BEEC-C5C534998F40}">
-  <ds:schemaRefs>
-    <ds:schemaRef ds:uri="http://schemas.microsoft.com/office/2006/metadata/properties"/>
-    <ds:schemaRef ds:uri="http://schemas.microsoft.com/office/infopath/2007/PartnerControls"/>
-    <ds:schemaRef ds:uri="83cd2334-221a-48c3-9034-bfd1542dfe28"/>
-  </ds:schemaRefs>
-</ds:datastoreItem>
-</file>
-
-<file path=customXml/itemProps32.xml><?xml version="1.0" encoding="utf-8"?>
-<ds:datastoreItem xmlns:ds="http://schemas.openxmlformats.org/officeDocument/2006/customXml" ds:itemID="{0B54C583-7BAB-4080-8093-C5F84F5A225A}">
-  <ds:schemaRefs>
-    <ds:schemaRef ds:uri="http://schemas.microsoft.com/VisualStudio/2011/storyboarding/control"/>
-  </ds:schemaRefs>
-</ds:datastoreItem>
-</file>
-
-<file path=customXml/itemProps33.xml><?xml version="1.0" encoding="utf-8"?>
 <ds:datastoreItem xmlns:ds="http://schemas.openxmlformats.org/officeDocument/2006/customXml" ds:itemID="{11F98F69-7518-4AE2-AE7B-E037DC9DDC97}">
   <ds:schemaRefs>
     <ds:schemaRef ds:uri="http://schemas.microsoft.com/office/2006/metadata/contentType"/>
@@ -43424,16 +43528,84 @@
 </ds:datastoreItem>
 </file>
 
-<file path=customXml/itemProps34.xml><?xml version="1.0" encoding="utf-8"?>
-<ds:datastoreItem xmlns:ds="http://schemas.openxmlformats.org/officeDocument/2006/customXml" ds:itemID="{758FDAC0-319D-4A54-8D8E-1D42CB1F8004}">
+<file path=customXml/itemProps27.xml><?xml version="1.0" encoding="utf-8"?>
+<ds:datastoreItem xmlns:ds="http://schemas.openxmlformats.org/officeDocument/2006/customXml" ds:itemID="{7959CC6A-F423-4783-B968-3BCC86A7394E}">
+  <ds:schemaRefs>
+    <ds:schemaRef ds:uri="http://schemas.microsoft.com/VisualStudio/2011/storyboarding/control"/>
+  </ds:schemaRefs>
+</ds:datastoreItem>
+</file>
+
+<file path=customXml/itemProps28.xml><?xml version="1.0" encoding="utf-8"?>
+<ds:datastoreItem xmlns:ds="http://schemas.openxmlformats.org/officeDocument/2006/customXml" ds:itemID="{9360AFB9-8F99-4E1B-878D-F2EBABEB164C}">
   <ds:schemaRefs>
     <ds:schemaRef ds:uri="http://schemas.microsoft.com/sharepoint/v3/contenttype/forms"/>
   </ds:schemaRefs>
 </ds:datastoreItem>
 </file>
 
+<file path=customXml/itemProps29.xml><?xml version="1.0" encoding="utf-8"?>
+<ds:datastoreItem xmlns:ds="http://schemas.openxmlformats.org/officeDocument/2006/customXml" ds:itemID="{8893E80D-6D0C-4E0F-AA22-E5615BB87E5B}">
+  <ds:schemaRefs>
+    <ds:schemaRef ds:uri="http://schemas.microsoft.com/VisualStudio/2011/storyboarding/control"/>
+  </ds:schemaRefs>
+</ds:datastoreItem>
+</file>
+
+<file path=customXml/itemProps3.xml><?xml version="1.0" encoding="utf-8"?>
+<ds:datastoreItem xmlns:ds="http://schemas.openxmlformats.org/officeDocument/2006/customXml" ds:itemID="{F68D8396-E21C-4AFF-8FDD-70D00673D0EE}">
+  <ds:schemaRefs>
+    <ds:schemaRef ds:uri="http://schemas.microsoft.com/VisualStudio/2011/storyboarding/control"/>
+  </ds:schemaRefs>
+</ds:datastoreItem>
+</file>
+
+<file path=customXml/itemProps30.xml><?xml version="1.0" encoding="utf-8"?>
+<ds:datastoreItem xmlns:ds="http://schemas.openxmlformats.org/officeDocument/2006/customXml" ds:itemID="{9BE78A66-4434-47C0-B320-1318DEA49846}">
+  <ds:schemaRefs>
+    <ds:schemaRef ds:uri="http://schemas.microsoft.com/office/2006/metadata/properties"/>
+    <ds:schemaRef ds:uri="http://schemas.microsoft.com/office/infopath/2007/PartnerControls"/>
+    <ds:schemaRef ds:uri="83cd2334-221a-48c3-9034-bfd1542dfe28"/>
+  </ds:schemaRefs>
+</ds:datastoreItem>
+</file>
+
+<file path=customXml/itemProps31.xml><?xml version="1.0" encoding="utf-8"?>
+<ds:datastoreItem xmlns:ds="http://schemas.openxmlformats.org/officeDocument/2006/customXml" ds:itemID="{4C1B3C27-4803-4D72-A3F8-6668A3F0A24B}">
+  <ds:schemaRefs>
+    <ds:schemaRef ds:uri="http://schemas.microsoft.com/VisualStudio/2011/storyboarding/control"/>
+  </ds:schemaRefs>
+</ds:datastoreItem>
+</file>
+
+<file path=customXml/itemProps32.xml><?xml version="1.0" encoding="utf-8"?>
+<ds:datastoreItem xmlns:ds="http://schemas.openxmlformats.org/officeDocument/2006/customXml" ds:itemID="{1CB23883-94DE-437E-B761-50A8898E164E}">
+  <ds:schemaRefs>
+    <ds:schemaRef ds:uri="http://schemas.microsoft.com/sharepoint/v3/contenttype/forms"/>
+  </ds:schemaRefs>
+</ds:datastoreItem>
+</file>
+
+<file path=customXml/itemProps33.xml><?xml version="1.0" encoding="utf-8"?>
+<ds:datastoreItem xmlns:ds="http://schemas.openxmlformats.org/officeDocument/2006/customXml" ds:itemID="{473A6A21-7521-4B81-9336-9B587BA12275}">
+  <ds:schemaRefs>
+    <ds:schemaRef ds:uri="http://schemas.microsoft.com/office/2006/metadata/properties"/>
+    <ds:schemaRef ds:uri="http://schemas.microsoft.com/office/infopath/2007/PartnerControls"/>
+    <ds:schemaRef ds:uri="83cd2334-221a-48c3-9034-bfd1542dfe28"/>
+  </ds:schemaRefs>
+</ds:datastoreItem>
+</file>
+
+<file path=customXml/itemProps34.xml><?xml version="1.0" encoding="utf-8"?>
+<ds:datastoreItem xmlns:ds="http://schemas.openxmlformats.org/officeDocument/2006/customXml" ds:itemID="{67213E6F-7B96-4222-888B-63710B06D885}">
+  <ds:schemaRefs>
+    <ds:schemaRef ds:uri="http://schemas.microsoft.com/VisualStudio/2011/storyboarding/control"/>
+  </ds:schemaRefs>
+</ds:datastoreItem>
+</file>
+
 <file path=customXml/itemProps35.xml><?xml version="1.0" encoding="utf-8"?>
-<ds:datastoreItem xmlns:ds="http://schemas.openxmlformats.org/officeDocument/2006/customXml" ds:itemID="{8BD595CA-AC5E-43B9-B966-E468A16E8322}">
+<ds:datastoreItem xmlns:ds="http://schemas.openxmlformats.org/officeDocument/2006/customXml" ds:itemID="{D4B5F268-5930-44CD-BDF1-D0A04D4BBC1C}">
   <ds:schemaRefs>
     <ds:schemaRef ds:uri="http://schemas.microsoft.com/VisualStudio/2011/storyboarding/control"/>
   </ds:schemaRefs>
@@ -43441,7 +43613,7 @@
 </file>
 
 <file path=customXml/itemProps36.xml><?xml version="1.0" encoding="utf-8"?>
-<ds:datastoreItem xmlns:ds="http://schemas.openxmlformats.org/officeDocument/2006/customXml" ds:itemID="{D4B5F268-5930-44CD-BDF1-D0A04D4BBC1C}">
+<ds:datastoreItem xmlns:ds="http://schemas.openxmlformats.org/officeDocument/2006/customXml" ds:itemID="{42D603BF-B513-4201-A599-21BA0F4FFC40}">
   <ds:schemaRefs>
     <ds:schemaRef ds:uri="http://schemas.microsoft.com/VisualStudio/2011/storyboarding/control"/>
   </ds:schemaRefs>
@@ -43449,15 +43621,17 @@
 </file>
 
 <file path=customXml/itemProps37.xml><?xml version="1.0" encoding="utf-8"?>
-<ds:datastoreItem xmlns:ds="http://schemas.openxmlformats.org/officeDocument/2006/customXml" ds:itemID="{38217AA1-CC95-49A9-B284-2ED4D347D7CA}">
+<ds:datastoreItem xmlns:ds="http://schemas.openxmlformats.org/officeDocument/2006/customXml" ds:itemID="{E692D73E-1478-4790-BEEC-C5C534998F40}">
   <ds:schemaRefs>
-    <ds:schemaRef ds:uri="http://schemas.microsoft.com/VisualStudio/2011/storyboarding/control"/>
+    <ds:schemaRef ds:uri="http://schemas.microsoft.com/office/2006/metadata/properties"/>
+    <ds:schemaRef ds:uri="http://schemas.microsoft.com/office/infopath/2007/PartnerControls"/>
+    <ds:schemaRef ds:uri="83cd2334-221a-48c3-9034-bfd1542dfe28"/>
   </ds:schemaRefs>
 </ds:datastoreItem>
 </file>
 
 <file path=customXml/itemProps38.xml><?xml version="1.0" encoding="utf-8"?>
-<ds:datastoreItem xmlns:ds="http://schemas.openxmlformats.org/officeDocument/2006/customXml" ds:itemID="{7959CC6A-F423-4783-B968-3BCC86A7394E}">
+<ds:datastoreItem xmlns:ds="http://schemas.openxmlformats.org/officeDocument/2006/customXml" ds:itemID="{8257D6BC-B71E-4D95-81E4-A1D4A8174168}">
   <ds:schemaRefs>
     <ds:schemaRef ds:uri="http://schemas.microsoft.com/VisualStudio/2011/storyboarding/control"/>
   </ds:schemaRefs>
@@ -43465,14 +43639,6 @@
 </file>
 
 <file path=customXml/itemProps39.xml><?xml version="1.0" encoding="utf-8"?>
-<ds:datastoreItem xmlns:ds="http://schemas.openxmlformats.org/officeDocument/2006/customXml" ds:itemID="{08C4EE12-DF69-4FFC-9E40-C7991F3490A6}">
-  <ds:schemaRefs>
-    <ds:schemaRef ds:uri="http://schemas.microsoft.com/VisualStudio/2011/storyboarding/control"/>
-  </ds:schemaRefs>
-</ds:datastoreItem>
-</file>
-
-<file path=customXml/itemProps4.xml><?xml version="1.0" encoding="utf-8"?>
 <ds:datastoreItem xmlns:ds="http://schemas.openxmlformats.org/officeDocument/2006/customXml" ds:itemID="{85443668-3D6A-4188-8851-965D7DE77F1E}">
   <ds:schemaRefs>
     <ds:schemaRef ds:uri="http://schemas.microsoft.com/sharepoint/v3/contenttype/forms"/>
@@ -43480,8 +43646,16 @@
 </ds:datastoreItem>
 </file>
 
+<file path=customXml/itemProps4.xml><?xml version="1.0" encoding="utf-8"?>
+<ds:datastoreItem xmlns:ds="http://schemas.openxmlformats.org/officeDocument/2006/customXml" ds:itemID="{376216F9-AF6B-4844-AE8C-B9F953F916AB}">
+  <ds:schemaRefs>
+    <ds:schemaRef ds:uri="http://schemas.microsoft.com/VisualStudio/2011/storyboarding/control"/>
+  </ds:schemaRefs>
+</ds:datastoreItem>
+</file>
+
 <file path=customXml/itemProps40.xml><?xml version="1.0" encoding="utf-8"?>
-<ds:datastoreItem xmlns:ds="http://schemas.openxmlformats.org/officeDocument/2006/customXml" ds:itemID="{F2DB1441-CF39-4D37-BBD5-243D4AD5F71A}">
+<ds:datastoreItem xmlns:ds="http://schemas.openxmlformats.org/officeDocument/2006/customXml" ds:itemID="{F990F116-B58F-4255-B05B-DA3808E0E5C6}">
   <ds:schemaRefs>
     <ds:schemaRef ds:uri="http://schemas.microsoft.com/office/2006/metadata/properties"/>
     <ds:schemaRef ds:uri="http://schemas.microsoft.com/office/infopath/2007/PartnerControls"/>
@@ -43491,7 +43665,7 @@
 </file>
 
 <file path=customXml/itemProps41.xml><?xml version="1.0" encoding="utf-8"?>
-<ds:datastoreItem xmlns:ds="http://schemas.openxmlformats.org/officeDocument/2006/customXml" ds:itemID="{8893E80D-6D0C-4E0F-AA22-E5615BB87E5B}">
+<ds:datastoreItem xmlns:ds="http://schemas.openxmlformats.org/officeDocument/2006/customXml" ds:itemID="{3DC6CABD-46E1-4C27-A0B3-616DC56F8E5C}">
   <ds:schemaRefs>
     <ds:schemaRef ds:uri="http://schemas.microsoft.com/VisualStudio/2011/storyboarding/control"/>
   </ds:schemaRefs>
@@ -43499,7 +43673,7 @@
 </file>
 
 <file path=customXml/itemProps42.xml><?xml version="1.0" encoding="utf-8"?>
-<ds:datastoreItem xmlns:ds="http://schemas.openxmlformats.org/officeDocument/2006/customXml" ds:itemID="{4B16F4FE-7C26-4443-B426-81998D23ED87}">
+<ds:datastoreItem xmlns:ds="http://schemas.openxmlformats.org/officeDocument/2006/customXml" ds:itemID="{0282FB20-2D4C-459D-8468-77D1D3C6925D}">
   <ds:schemaRefs>
     <ds:schemaRef ds:uri="http://schemas.microsoft.com/VisualStudio/2011/storyboarding/control"/>
   </ds:schemaRefs>
@@ -43507,7 +43681,7 @@
 </file>
 
 <file path=customXml/itemProps43.xml><?xml version="1.0" encoding="utf-8"?>
-<ds:datastoreItem xmlns:ds="http://schemas.openxmlformats.org/officeDocument/2006/customXml" ds:itemID="{21F6B647-976A-41D0-B760-9DF9DFC6AE3C}">
+<ds:datastoreItem xmlns:ds="http://schemas.openxmlformats.org/officeDocument/2006/customXml" ds:itemID="{3C954CC5-1CAC-4EC3-9791-8630483065B9}">
   <ds:schemaRefs>
     <ds:schemaRef ds:uri="http://schemas.microsoft.com/VisualStudio/2011/storyboarding/control"/>
   </ds:schemaRefs>
@@ -43515,7 +43689,7 @@
 </file>
 
 <file path=customXml/itemProps44.xml><?xml version="1.0" encoding="utf-8"?>
-<ds:datastoreItem xmlns:ds="http://schemas.openxmlformats.org/officeDocument/2006/customXml" ds:itemID="{8257D6BC-B71E-4D95-81E4-A1D4A8174168}">
+<ds:datastoreItem xmlns:ds="http://schemas.openxmlformats.org/officeDocument/2006/customXml" ds:itemID="{08C4EE12-DF69-4FFC-9E40-C7991F3490A6}">
   <ds:schemaRefs>
     <ds:schemaRef ds:uri="http://schemas.microsoft.com/VisualStudio/2011/storyboarding/control"/>
   </ds:schemaRefs>
@@ -43523,15 +43697,15 @@
 </file>
 
 <file path=customXml/itemProps45.xml><?xml version="1.0" encoding="utf-8"?>
-<ds:datastoreItem xmlns:ds="http://schemas.openxmlformats.org/officeDocument/2006/customXml" ds:itemID="{4E805D65-1532-4BB0-8F41-8013167C0009}">
+<ds:datastoreItem xmlns:ds="http://schemas.openxmlformats.org/officeDocument/2006/customXml" ds:itemID="{DD180159-5189-415B-9D51-B123F7569FCA}">
   <ds:schemaRefs>
-    <ds:schemaRef ds:uri="http://schemas.microsoft.com/VisualStudio/2011/storyboarding/control"/>
+    <ds:schemaRef ds:uri="http://schemas.microsoft.com/sharepoint/v3/contenttype/forms"/>
   </ds:schemaRefs>
 </ds:datastoreItem>
 </file>
 
 <file path=customXml/itemProps5.xml><?xml version="1.0" encoding="utf-8"?>
-<ds:datastoreItem xmlns:ds="http://schemas.openxmlformats.org/officeDocument/2006/customXml" ds:itemID="{D6FEE829-2115-45B4-8110-670FD454542B}">
+<ds:datastoreItem xmlns:ds="http://schemas.openxmlformats.org/officeDocument/2006/customXml" ds:itemID="{FE651ABA-5DC1-4ABD-A06E-055AE54B337B}">
   <ds:schemaRefs>
     <ds:schemaRef ds:uri="http://schemas.microsoft.com/VisualStudio/2011/storyboarding/control"/>
   </ds:schemaRefs>
@@ -43539,7 +43713,7 @@
 </file>
 
 <file path=customXml/itemProps6.xml><?xml version="1.0" encoding="utf-8"?>
-<ds:datastoreItem xmlns:ds="http://schemas.openxmlformats.org/officeDocument/2006/customXml" ds:itemID="{4C1B3C27-4803-4D72-A3F8-6668A3F0A24B}">
+<ds:datastoreItem xmlns:ds="http://schemas.openxmlformats.org/officeDocument/2006/customXml" ds:itemID="{C0F92A87-A216-45A9-B9C0-0515663D35BF}">
   <ds:schemaRefs>
     <ds:schemaRef ds:uri="http://schemas.microsoft.com/VisualStudio/2011/storyboarding/control"/>
   </ds:schemaRefs>
@@ -43547,27 +43721,27 @@
 </file>
 
 <file path=customXml/itemProps7.xml><?xml version="1.0" encoding="utf-8"?>
-<ds:datastoreItem xmlns:ds="http://schemas.openxmlformats.org/officeDocument/2006/customXml" ds:itemID="{F68D8396-E21C-4AFF-8FDD-70D00673D0EE}">
+<ds:datastoreItem xmlns:ds="http://schemas.openxmlformats.org/officeDocument/2006/customXml" ds:itemID="{2B0B218D-69BD-428E-BAF6-D3414B967109}">
+  <ds:schemaRefs>
+    <ds:schemaRef ds:uri="http://schemas.microsoft.com/office/2006/metadata/properties"/>
+    <ds:schemaRef ds:uri="http://schemas.microsoft.com/office/infopath/2007/PartnerControls"/>
+    <ds:schemaRef ds:uri="83cd2334-221a-48c3-9034-bfd1542dfe28"/>
+  </ds:schemaRefs>
+</ds:datastoreItem>
+</file>
+
+<file path=customXml/itemProps8.xml><?xml version="1.0" encoding="utf-8"?>
+<ds:datastoreItem xmlns:ds="http://schemas.openxmlformats.org/officeDocument/2006/customXml" ds:itemID="{C63AC2F0-1DEB-4E91-A88A-7A014A172F4F}">
   <ds:schemaRefs>
     <ds:schemaRef ds:uri="http://schemas.microsoft.com/VisualStudio/2011/storyboarding/control"/>
   </ds:schemaRefs>
 </ds:datastoreItem>
 </file>
 
-<file path=customXml/itemProps8.xml><?xml version="1.0" encoding="utf-8"?>
-<ds:datastoreItem xmlns:ds="http://schemas.openxmlformats.org/officeDocument/2006/customXml" ds:itemID="{7FA46DDE-FD42-428C-9A75-6D1D40C80BBB}">
+<file path=customXml/itemProps9.xml><?xml version="1.0" encoding="utf-8"?>
+<ds:datastoreItem xmlns:ds="http://schemas.openxmlformats.org/officeDocument/2006/customXml" ds:itemID="{0B54C583-7BAB-4080-8093-C5F84F5A225A}">
   <ds:schemaRefs>
-    <ds:schemaRef ds:uri="http://schemas.microsoft.com/sharepoint/v3/contenttype/forms"/>
-  </ds:schemaRefs>
-</ds:datastoreItem>
-</file>
-
-<file path=customXml/itemProps9.xml><?xml version="1.0" encoding="utf-8"?>
-<ds:datastoreItem xmlns:ds="http://schemas.openxmlformats.org/officeDocument/2006/customXml" ds:itemID="{F990F116-B58F-4255-B05B-DA3808E0E5C6}">
-  <ds:schemaRefs>
-    <ds:schemaRef ds:uri="http://schemas.microsoft.com/office/2006/metadata/properties"/>
-    <ds:schemaRef ds:uri="http://schemas.microsoft.com/office/infopath/2007/PartnerControls"/>
-    <ds:schemaRef ds:uri="83cd2334-221a-48c3-9034-bfd1542dfe28"/>
+    <ds:schemaRef ds:uri="http://schemas.microsoft.com/VisualStudio/2011/storyboarding/control"/>
   </ds:schemaRefs>
 </ds:datastoreItem>
 </file>